--- a/課程簡報/u1_app_bmi.pptx
+++ b/課程簡報/u1_app_bmi.pptx
@@ -217,7 +217,7 @@
           <a:p>
             <a:fld id="{66898407-7539-4C88-B591-2FC07A4ED2BC}" type="datetimeFigureOut">
               <a:rPr lang="zh-CN" altLang="en-US" smtClean="0"/>
-              <a:t>2020/5/28</a:t>
+              <a:t>2020/6/2</a:t>
             </a:fld>
             <a:endParaRPr lang="zh-CN" altLang="en-US"/>
           </a:p>
@@ -2125,7 +2125,7 @@
           <a:p>
             <a:fld id="{B58979D9-E8A7-4020-9F53-DCBB73454201}" type="datetimeFigureOut">
               <a:rPr lang="zh-CN" altLang="en-US" smtClean="0"/>
-              <a:t>2020/5/28</a:t>
+              <a:t>2020/6/2</a:t>
             </a:fld>
             <a:endParaRPr lang="zh-CN" altLang="en-US"/>
           </a:p>
@@ -2288,7 +2288,7 @@
           <a:p>
             <a:fld id="{B58979D9-E8A7-4020-9F53-DCBB73454201}" type="datetimeFigureOut">
               <a:rPr lang="zh-CN" altLang="en-US" smtClean="0"/>
-              <a:t>2020/5/28</a:t>
+              <a:t>2020/6/2</a:t>
             </a:fld>
             <a:endParaRPr lang="zh-CN" altLang="en-US"/>
           </a:p>
@@ -2461,7 +2461,7 @@
           <a:p>
             <a:fld id="{B58979D9-E8A7-4020-9F53-DCBB73454201}" type="datetimeFigureOut">
               <a:rPr lang="zh-CN" altLang="en-US" smtClean="0"/>
-              <a:t>2020/5/28</a:t>
+              <a:t>2020/6/2</a:t>
             </a:fld>
             <a:endParaRPr lang="zh-CN" altLang="en-US"/>
           </a:p>
@@ -2624,7 +2624,7 @@
           <a:p>
             <a:fld id="{B58979D9-E8A7-4020-9F53-DCBB73454201}" type="datetimeFigureOut">
               <a:rPr lang="zh-CN" altLang="en-US" smtClean="0"/>
-              <a:t>2020/5/28</a:t>
+              <a:t>2020/6/2</a:t>
             </a:fld>
             <a:endParaRPr lang="zh-CN" altLang="en-US"/>
           </a:p>
@@ -2864,7 +2864,7 @@
           <a:p>
             <a:fld id="{B58979D9-E8A7-4020-9F53-DCBB73454201}" type="datetimeFigureOut">
               <a:rPr lang="zh-CN" altLang="en-US" smtClean="0"/>
-              <a:t>2020/5/28</a:t>
+              <a:t>2020/6/2</a:t>
             </a:fld>
             <a:endParaRPr lang="zh-CN" altLang="en-US"/>
           </a:p>
@@ -3088,7 +3088,7 @@
           <a:p>
             <a:fld id="{B58979D9-E8A7-4020-9F53-DCBB73454201}" type="datetimeFigureOut">
               <a:rPr lang="zh-CN" altLang="en-US" smtClean="0"/>
-              <a:t>2020/5/28</a:t>
+              <a:t>2020/6/2</a:t>
             </a:fld>
             <a:endParaRPr lang="zh-CN" altLang="en-US"/>
           </a:p>
@@ -3447,7 +3447,7 @@
           <a:p>
             <a:fld id="{B58979D9-E8A7-4020-9F53-DCBB73454201}" type="datetimeFigureOut">
               <a:rPr lang="zh-CN" altLang="en-US" smtClean="0"/>
-              <a:t>2020/5/28</a:t>
+              <a:t>2020/6/2</a:t>
             </a:fld>
             <a:endParaRPr lang="zh-CN" altLang="en-US"/>
           </a:p>
@@ -3559,7 +3559,7 @@
           <a:p>
             <a:fld id="{B58979D9-E8A7-4020-9F53-DCBB73454201}" type="datetimeFigureOut">
               <a:rPr lang="zh-CN" altLang="en-US" smtClean="0"/>
-              <a:t>2020/5/28</a:t>
+              <a:t>2020/6/2</a:t>
             </a:fld>
             <a:endParaRPr lang="zh-CN" altLang="en-US"/>
           </a:p>
@@ -3649,7 +3649,7 @@
           <a:p>
             <a:fld id="{B58979D9-E8A7-4020-9F53-DCBB73454201}" type="datetimeFigureOut">
               <a:rPr lang="zh-CN" altLang="en-US" smtClean="0"/>
-              <a:t>2020/5/28</a:t>
+              <a:t>2020/6/2</a:t>
             </a:fld>
             <a:endParaRPr lang="zh-CN" altLang="en-US"/>
           </a:p>
@@ -3919,7 +3919,7 @@
           <a:p>
             <a:fld id="{B58979D9-E8A7-4020-9F53-DCBB73454201}" type="datetimeFigureOut">
               <a:rPr lang="zh-CN" altLang="en-US" smtClean="0"/>
-              <a:t>2020/5/28</a:t>
+              <a:t>2020/6/2</a:t>
             </a:fld>
             <a:endParaRPr lang="zh-CN" altLang="en-US"/>
           </a:p>
@@ -4166,7 +4166,7 @@
           <a:p>
             <a:fld id="{B58979D9-E8A7-4020-9F53-DCBB73454201}" type="datetimeFigureOut">
               <a:rPr lang="zh-CN" altLang="en-US" smtClean="0"/>
-              <a:t>2020/5/28</a:t>
+              <a:t>2020/6/2</a:t>
             </a:fld>
             <a:endParaRPr lang="zh-CN" altLang="en-US"/>
           </a:p>
@@ -4372,7 +4372,7 @@
           <a:p>
             <a:fld id="{B58979D9-E8A7-4020-9F53-DCBB73454201}" type="datetimeFigureOut">
               <a:rPr lang="zh-CN" altLang="en-US" smtClean="0"/>
-              <a:t>2020/5/28</a:t>
+              <a:t>2020/6/2</a:t>
             </a:fld>
             <a:endParaRPr lang="zh-CN" altLang="en-US"/>
           </a:p>
@@ -4988,13 +4988,6 @@
               </a:rPr>
               <a:t>Peter</a:t>
             </a:r>
-            <a:endParaRPr lang="en-US" altLang="zh-TW" sz="3200" dirty="0" smtClean="0">
-              <a:solidFill>
-                <a:schemeClr val="bg1"/>
-              </a:solidFill>
-              <a:latin typeface="微軟正黑體" panose="020B0604030504040204" pitchFamily="34" charset="-120"/>
-              <a:ea typeface="微軟正黑體" panose="020B0604030504040204" pitchFamily="34" charset="-120"/>
-            </a:endParaRPr>
           </a:p>
         </p:txBody>
       </p:sp>
@@ -7940,13 +7933,6 @@
               </a:rPr>
               <a:t>）</a:t>
             </a:r>
-            <a:endParaRPr lang="zh-CN" altLang="en-US" sz="3200" dirty="0">
-              <a:solidFill>
-                <a:schemeClr val="bg1"/>
-              </a:solidFill>
-              <a:latin typeface="字魂58号-创中黑" panose="00000500000000000000" pitchFamily="2" charset="-122"/>
-              <a:ea typeface="字魂58号-创中黑" panose="00000500000000000000" pitchFamily="2" charset="-122"/>
-            </a:endParaRPr>
           </a:p>
         </p:txBody>
       </p:sp>
@@ -8733,13 +8719,6 @@
               </a:rPr>
               <a:t>）</a:t>
             </a:r>
-            <a:endParaRPr lang="zh-CN" altLang="en-US" sz="3200" dirty="0">
-              <a:solidFill>
-                <a:schemeClr val="bg1"/>
-              </a:solidFill>
-              <a:latin typeface="字魂58号-创中黑" panose="00000500000000000000" pitchFamily="2" charset="-122"/>
-              <a:ea typeface="字魂58号-创中黑" panose="00000500000000000000" pitchFamily="2" charset="-122"/>
-            </a:endParaRPr>
           </a:p>
         </p:txBody>
       </p:sp>
@@ -13409,13 +13388,6 @@
               </a:rPr>
               <a:t>BMI</a:t>
             </a:r>
-            <a:endParaRPr lang="en-US" altLang="zh-CN" sz="3200" dirty="0">
-              <a:solidFill>
-                <a:schemeClr val="bg1"/>
-              </a:solidFill>
-              <a:latin typeface="字魂58号-创中黑" panose="00000500000000000000" pitchFamily="2" charset="-122"/>
-              <a:ea typeface="字魂58号-创中黑" panose="00000500000000000000" pitchFamily="2" charset="-122"/>
-            </a:endParaRPr>
           </a:p>
         </p:txBody>
       </p:sp>
@@ -15275,13 +15247,6 @@
               </a:rPr>
               <a:t>BMI</a:t>
             </a:r>
-            <a:endParaRPr lang="en-US" altLang="zh-CN" sz="3200" dirty="0">
-              <a:solidFill>
-                <a:schemeClr val="bg1"/>
-              </a:solidFill>
-              <a:latin typeface="字魂58号-创中黑" panose="00000500000000000000" pitchFamily="2" charset="-122"/>
-              <a:ea typeface="字魂58号-创中黑" panose="00000500000000000000" pitchFamily="2" charset="-122"/>
-            </a:endParaRPr>
           </a:p>
         </p:txBody>
       </p:sp>
